--- a/CSharp/씨샵피피티/12단원.pptx
+++ b/CSharp/씨샵피피티/12단원.pptx
@@ -239,7 +239,7 @@
             <a:fld id="{DC87C3E9-2372-4D2D-A8FE-578D26F0CAB8}" type="datetimeFigureOut">
               <a:rPr lang="ko-KR" altLang="en-US" smtClean="0"/>
               <a:pPr/>
-              <a:t>2020-04-09</a:t>
+              <a:t>2023-11-03</a:t>
             </a:fld>
             <a:endParaRPr lang="ko-KR" altLang="en-US"/>
           </a:p>
@@ -406,7 +406,7 @@
             <a:fld id="{05BC3899-2E4F-4D3A-8D29-BF4BDDE21DE2}" type="datetimeFigureOut">
               <a:rPr lang="ko-KR" altLang="en-US" smtClean="0"/>
               <a:pPr/>
-              <a:t>2020-04-09</a:t>
+              <a:t>2023-11-03</a:t>
             </a:fld>
             <a:endParaRPr lang="ko-KR" altLang="en-US"/>
           </a:p>
@@ -4644,7 +4644,7 @@
             <a:fld id="{4B2FD9B6-DC5A-4644-B01F-335E6DD2CDD1}" type="datetimeFigureOut">
               <a:rPr lang="ko-KR" altLang="en-US" smtClean="0"/>
               <a:pPr/>
-              <a:t>2020-04-09</a:t>
+              <a:t>2023-11-03</a:t>
             </a:fld>
             <a:endParaRPr lang="ko-KR" altLang="en-US" dirty="0"/>
           </a:p>
@@ -5399,6 +5399,13 @@
   <p:clrMapOvr>
     <a:masterClrMapping/>
   </p:clrMapOvr>
+  <p:timing>
+    <p:tnLst>
+      <p:par>
+        <p:cTn id="1" dur="indefinite" restart="never" nodeType="tmRoot"/>
+      </p:par>
+    </p:tnLst>
+  </p:timing>
 </p:sld>
 </file>
 
@@ -5761,6 +5768,13 @@
   <p:clrMapOvr>
     <a:masterClrMapping/>
   </p:clrMapOvr>
+  <p:timing>
+    <p:tnLst>
+      <p:par>
+        <p:cTn id="1" dur="indefinite" restart="never" nodeType="tmRoot"/>
+      </p:par>
+    </p:tnLst>
+  </p:timing>
 </p:sld>
 </file>
 
@@ -6173,6 +6187,13 @@
   <p:clrMapOvr>
     <a:masterClrMapping/>
   </p:clrMapOvr>
+  <p:timing>
+    <p:tnLst>
+      <p:par>
+        <p:cTn id="1" dur="indefinite" restart="never" nodeType="tmRoot"/>
+      </p:par>
+    </p:tnLst>
+  </p:timing>
 </p:sld>
 </file>
 
@@ -6584,6 +6605,13 @@
   <p:clrMapOvr>
     <a:masterClrMapping/>
   </p:clrMapOvr>
+  <p:timing>
+    <p:tnLst>
+      <p:par>
+        <p:cTn id="1" dur="indefinite" restart="never" nodeType="tmRoot"/>
+      </p:par>
+    </p:tnLst>
+  </p:timing>
 </p:sld>
 </file>
 
@@ -6843,6 +6871,13 @@
   <p:clrMapOvr>
     <a:masterClrMapping/>
   </p:clrMapOvr>
+  <p:timing>
+    <p:tnLst>
+      <p:par>
+        <p:cTn id="1" dur="indefinite" restart="never" nodeType="tmRoot"/>
+      </p:par>
+    </p:tnLst>
+  </p:timing>
 </p:sld>
 </file>
 
@@ -7083,6 +7118,13 @@
   <p:clrMapOvr>
     <a:masterClrMapping/>
   </p:clrMapOvr>
+  <p:timing>
+    <p:tnLst>
+      <p:par>
+        <p:cTn id="1" dur="indefinite" restart="never" nodeType="tmRoot"/>
+      </p:par>
+    </p:tnLst>
+  </p:timing>
 </p:sld>
 </file>
 
@@ -7350,6 +7392,13 @@
   <p:clrMapOvr>
     <a:masterClrMapping/>
   </p:clrMapOvr>
+  <p:timing>
+    <p:tnLst>
+      <p:par>
+        <p:cTn id="1" dur="indefinite" restart="never" nodeType="tmRoot"/>
+      </p:par>
+    </p:tnLst>
+  </p:timing>
 </p:sld>
 </file>
 
@@ -7597,6 +7646,13 @@
   <p:clrMapOvr>
     <a:masterClrMapping/>
   </p:clrMapOvr>
+  <p:timing>
+    <p:tnLst>
+      <p:par>
+        <p:cTn id="1" dur="indefinite" restart="never" nodeType="tmRoot"/>
+      </p:par>
+    </p:tnLst>
+  </p:timing>
 </p:sld>
 </file>
 
@@ -7938,6 +7994,13 @@
   <p:clrMapOvr>
     <a:masterClrMapping/>
   </p:clrMapOvr>
+  <p:timing>
+    <p:tnLst>
+      <p:par>
+        <p:cTn id="1" dur="indefinite" restart="never" nodeType="tmRoot"/>
+      </p:par>
+    </p:tnLst>
+  </p:timing>
 </p:sld>
 </file>
 
@@ -8341,6 +8404,13 @@
   <p:clrMapOvr>
     <a:masterClrMapping/>
   </p:clrMapOvr>
+  <p:timing>
+    <p:tnLst>
+      <p:par>
+        <p:cTn id="1" dur="indefinite" restart="never" nodeType="tmRoot"/>
+      </p:par>
+    </p:tnLst>
+  </p:timing>
 </p:sld>
 </file>
 
@@ -9875,6 +9945,13 @@
   <p:clrMapOvr>
     <a:masterClrMapping/>
   </p:clrMapOvr>
+  <p:timing>
+    <p:tnLst>
+      <p:par>
+        <p:cTn id="1" dur="indefinite" restart="never" nodeType="tmRoot"/>
+      </p:par>
+    </p:tnLst>
+  </p:timing>
 </p:sld>
 </file>
 
@@ -10150,6 +10227,13 @@
   <p:clrMapOvr>
     <a:masterClrMapping/>
   </p:clrMapOvr>
+  <p:timing>
+    <p:tnLst>
+      <p:par>
+        <p:cTn id="1" dur="indefinite" restart="never" nodeType="tmRoot"/>
+      </p:par>
+    </p:tnLst>
+  </p:timing>
 </p:sld>
 </file>
 
@@ -10455,6 +10539,13 @@
   <p:clrMapOvr>
     <a:masterClrMapping/>
   </p:clrMapOvr>
+  <p:timing>
+    <p:tnLst>
+      <p:par>
+        <p:cTn id="1" dur="indefinite" restart="never" nodeType="tmRoot"/>
+      </p:par>
+    </p:tnLst>
+  </p:timing>
 </p:sld>
 </file>
 
@@ -10738,6 +10829,13 @@
   <p:clrMapOvr>
     <a:masterClrMapping/>
   </p:clrMapOvr>
+  <p:timing>
+    <p:tnLst>
+      <p:par>
+        <p:cTn id="1" dur="indefinite" restart="never" nodeType="tmRoot"/>
+      </p:par>
+    </p:tnLst>
+  </p:timing>
 </p:sld>
 </file>
 
@@ -11039,6 +11137,13 @@
   <p:clrMapOvr>
     <a:masterClrMapping/>
   </p:clrMapOvr>
+  <p:timing>
+    <p:tnLst>
+      <p:par>
+        <p:cTn id="1" dur="indefinite" restart="never" nodeType="tmRoot"/>
+      </p:par>
+    </p:tnLst>
+  </p:timing>
 </p:sld>
 </file>
 
@@ -11437,6 +11542,13 @@
   <p:clrMapOvr>
     <a:masterClrMapping/>
   </p:clrMapOvr>
+  <p:timing>
+    <p:tnLst>
+      <p:par>
+        <p:cTn id="1" dur="indefinite" restart="never" nodeType="tmRoot"/>
+      </p:par>
+    </p:tnLst>
+  </p:timing>
 </p:sld>
 </file>
 
@@ -11699,6 +11811,13 @@
   <p:clrMapOvr>
     <a:masterClrMapping/>
   </p:clrMapOvr>
+  <p:timing>
+    <p:tnLst>
+      <p:par>
+        <p:cTn id="1" dur="indefinite" restart="never" nodeType="tmRoot"/>
+      </p:par>
+    </p:tnLst>
+  </p:timing>
 </p:sld>
 </file>
 
